--- a/circuits.pptx
+++ b/circuits.pptx
@@ -293,7 +293,7 @@
           <a:p>
             <a:fld id="{E90ED720-0104-4369-84BC-D37694168613}" type="datetimeFigureOut">
               <a:rPr kumimoji="1" lang="ja-JP" altLang="en-US" smtClean="0"/>
-              <a:t>2016/6/29</a:t>
+              <a:t>2016/7/4</a:t>
             </a:fld>
             <a:endParaRPr kumimoji="1" lang="ja-JP" altLang="en-US"/>
           </a:p>
@@ -490,7 +490,7 @@
           <a:p>
             <a:fld id="{E90ED720-0104-4369-84BC-D37694168613}" type="datetimeFigureOut">
               <a:rPr kumimoji="1" lang="ja-JP" altLang="en-US" smtClean="0"/>
-              <a:t>2016/6/29</a:t>
+              <a:t>2016/7/4</a:t>
             </a:fld>
             <a:endParaRPr kumimoji="1" lang="ja-JP" altLang="en-US"/>
           </a:p>
@@ -697,7 +697,7 @@
           <a:p>
             <a:fld id="{E90ED720-0104-4369-84BC-D37694168613}" type="datetimeFigureOut">
               <a:rPr kumimoji="1" lang="ja-JP" altLang="en-US" smtClean="0"/>
-              <a:t>2016/6/29</a:t>
+              <a:t>2016/7/4</a:t>
             </a:fld>
             <a:endParaRPr kumimoji="1" lang="ja-JP" altLang="en-US"/>
           </a:p>
@@ -894,7 +894,7 @@
           <a:p>
             <a:fld id="{E90ED720-0104-4369-84BC-D37694168613}" type="datetimeFigureOut">
               <a:rPr kumimoji="1" lang="ja-JP" altLang="en-US" smtClean="0"/>
-              <a:t>2016/6/29</a:t>
+              <a:t>2016/7/4</a:t>
             </a:fld>
             <a:endParaRPr kumimoji="1" lang="ja-JP" altLang="en-US"/>
           </a:p>
@@ -1135,7 +1135,7 @@
           <a:p>
             <a:fld id="{E90ED720-0104-4369-84BC-D37694168613}" type="datetimeFigureOut">
               <a:rPr kumimoji="1" lang="ja-JP" altLang="en-US" smtClean="0"/>
-              <a:t>2016/6/29</a:t>
+              <a:t>2016/7/4</a:t>
             </a:fld>
             <a:endParaRPr kumimoji="1" lang="ja-JP" altLang="en-US"/>
           </a:p>
@@ -1482,7 +1482,7 @@
           <a:p>
             <a:fld id="{E90ED720-0104-4369-84BC-D37694168613}" type="datetimeFigureOut">
               <a:rPr kumimoji="1" lang="ja-JP" altLang="en-US" smtClean="0"/>
-              <a:t>2016/6/29</a:t>
+              <a:t>2016/7/4</a:t>
             </a:fld>
             <a:endParaRPr kumimoji="1" lang="ja-JP" altLang="en-US"/>
           </a:p>
@@ -1963,7 +1963,7 @@
           <a:p>
             <a:fld id="{E90ED720-0104-4369-84BC-D37694168613}" type="datetimeFigureOut">
               <a:rPr kumimoji="1" lang="ja-JP" altLang="en-US" smtClean="0"/>
-              <a:t>2016/6/29</a:t>
+              <a:t>2016/7/4</a:t>
             </a:fld>
             <a:endParaRPr kumimoji="1" lang="ja-JP" altLang="en-US"/>
           </a:p>
@@ -2076,7 +2076,7 @@
           <a:p>
             <a:fld id="{E90ED720-0104-4369-84BC-D37694168613}" type="datetimeFigureOut">
               <a:rPr kumimoji="1" lang="ja-JP" altLang="en-US" smtClean="0"/>
-              <a:t>2016/6/29</a:t>
+              <a:t>2016/7/4</a:t>
             </a:fld>
             <a:endParaRPr kumimoji="1" lang="ja-JP" altLang="en-US"/>
           </a:p>
@@ -2166,7 +2166,7 @@
           <a:p>
             <a:fld id="{E90ED720-0104-4369-84BC-D37694168613}" type="datetimeFigureOut">
               <a:rPr kumimoji="1" lang="ja-JP" altLang="en-US" smtClean="0"/>
-              <a:t>2016/6/29</a:t>
+              <a:t>2016/7/4</a:t>
             </a:fld>
             <a:endParaRPr kumimoji="1" lang="ja-JP" altLang="en-US"/>
           </a:p>
@@ -2470,7 +2470,7 @@
           <a:p>
             <a:fld id="{E90ED720-0104-4369-84BC-D37694168613}" type="datetimeFigureOut">
               <a:rPr kumimoji="1" lang="ja-JP" altLang="en-US" smtClean="0"/>
-              <a:t>2016/6/29</a:t>
+              <a:t>2016/7/4</a:t>
             </a:fld>
             <a:endParaRPr kumimoji="1" lang="ja-JP" altLang="en-US"/>
           </a:p>
@@ -2718,7 +2718,7 @@
           <a:p>
             <a:fld id="{E90ED720-0104-4369-84BC-D37694168613}" type="datetimeFigureOut">
               <a:rPr kumimoji="1" lang="ja-JP" altLang="en-US" smtClean="0"/>
-              <a:t>2016/6/29</a:t>
+              <a:t>2016/7/4</a:t>
             </a:fld>
             <a:endParaRPr kumimoji="1" lang="ja-JP" altLang="en-US"/>
           </a:p>
@@ -2958,7 +2958,7 @@
           <a:p>
             <a:fld id="{E90ED720-0104-4369-84BC-D37694168613}" type="datetimeFigureOut">
               <a:rPr kumimoji="1" lang="ja-JP" altLang="en-US" smtClean="0"/>
-              <a:t>2016/6/29</a:t>
+              <a:t>2016/7/4</a:t>
             </a:fld>
             <a:endParaRPr kumimoji="1" lang="ja-JP" altLang="en-US"/>
           </a:p>
@@ -3414,12 +3414,28 @@
               <a:t>年</a:t>
             </a:r>
             <a:r>
+              <a:rPr kumimoji="1" lang="en-US" altLang="ja-JP" dirty="0" smtClean="0">
+                <a:latin typeface="メイリオ" panose="020B0604030504040204" pitchFamily="50" charset="-128"/>
+                <a:ea typeface="メイリオ" panose="020B0604030504040204" pitchFamily="50" charset="-128"/>
+                <a:cs typeface="メイリオ" panose="020B0604030504040204" pitchFamily="50" charset="-128"/>
+              </a:rPr>
+              <a:t>7</a:t>
+            </a:r>
+            <a:r>
+              <a:rPr kumimoji="1" lang="ja-JP" altLang="en-US" dirty="0" smtClean="0">
+                <a:latin typeface="メイリオ" panose="020B0604030504040204" pitchFamily="50" charset="-128"/>
+                <a:ea typeface="メイリオ" panose="020B0604030504040204" pitchFamily="50" charset="-128"/>
+                <a:cs typeface="メイリオ" panose="020B0604030504040204" pitchFamily="50" charset="-128"/>
+              </a:rPr>
+              <a:t>月</a:t>
+            </a:r>
+            <a:r>
               <a:rPr lang="en-US" altLang="ja-JP" dirty="0">
                 <a:latin typeface="メイリオ" panose="020B0604030504040204" pitchFamily="50" charset="-128"/>
                 <a:ea typeface="メイリオ" panose="020B0604030504040204" pitchFamily="50" charset="-128"/>
                 <a:cs typeface="メイリオ" panose="020B0604030504040204" pitchFamily="50" charset="-128"/>
               </a:rPr>
-              <a:t>6</a:t>
+              <a:t>5</a:t>
             </a:r>
             <a:r>
               <a:rPr kumimoji="1" lang="ja-JP" altLang="en-US" dirty="0" smtClean="0">
@@ -3427,7 +3443,7 @@
                 <a:ea typeface="メイリオ" panose="020B0604030504040204" pitchFamily="50" charset="-128"/>
                 <a:cs typeface="メイリオ" panose="020B0604030504040204" pitchFamily="50" charset="-128"/>
               </a:rPr>
-              <a:t>月</a:t>
+              <a:t>日</a:t>
             </a:r>
             <a:r>
               <a:rPr lang="en-US" altLang="ja-JP" dirty="0" smtClean="0">
@@ -3435,22 +3451,6 @@
                 <a:ea typeface="メイリオ" panose="020B0604030504040204" pitchFamily="50" charset="-128"/>
                 <a:cs typeface="メイリオ" panose="020B0604030504040204" pitchFamily="50" charset="-128"/>
               </a:rPr>
-              <a:t>29</a:t>
-            </a:r>
-            <a:r>
-              <a:rPr kumimoji="1" lang="ja-JP" altLang="en-US" dirty="0" smtClean="0">
-                <a:latin typeface="メイリオ" panose="020B0604030504040204" pitchFamily="50" charset="-128"/>
-                <a:ea typeface="メイリオ" panose="020B0604030504040204" pitchFamily="50" charset="-128"/>
-                <a:cs typeface="メイリオ" panose="020B0604030504040204" pitchFamily="50" charset="-128"/>
-              </a:rPr>
-              <a:t>日</a:t>
-            </a:r>
-            <a:r>
-              <a:rPr lang="en-US" altLang="ja-JP" dirty="0" smtClean="0">
-                <a:latin typeface="メイリオ" panose="020B0604030504040204" pitchFamily="50" charset="-128"/>
-                <a:ea typeface="メイリオ" panose="020B0604030504040204" pitchFamily="50" charset="-128"/>
-                <a:cs typeface="メイリオ" panose="020B0604030504040204" pitchFamily="50" charset="-128"/>
-              </a:rPr>
               <a:t> (</a:t>
             </a:r>
             <a:r>
@@ -3459,7 +3459,7 @@
                 <a:ea typeface="メイリオ" panose="020B0604030504040204" pitchFamily="50" charset="-128"/>
                 <a:cs typeface="メイリオ" panose="020B0604030504040204" pitchFamily="50" charset="-128"/>
               </a:rPr>
-              <a:t>水</a:t>
+              <a:t>火</a:t>
             </a:r>
             <a:r>
               <a:rPr lang="en-US" altLang="ja-JP" dirty="0" smtClean="0">
